--- a/以太坊教程/课件/4_1_以太坊账户与合约 .pptx
+++ b/以太坊教程/课件/4_1_以太坊账户与合约 .pptx
@@ -208,7 +208,7 @@
           <a:p>
             <a:fld id="{31A2A103-01E9-406E-AEF1-210DF53BAA37}" type="datetimeFigureOut">
               <a:rPr lang="zh-CN" altLang="en-US" smtClean="0"/>
-              <a:t>2018/10/24</a:t>
+              <a:t>2018/11/28</a:t>
             </a:fld>
             <a:endParaRPr lang="zh-CN" altLang="en-US"/>
           </a:p>
@@ -1749,7 +1749,7 @@
           <a:p>
             <a:fld id="{530820CF-B880-4189-942D-D702A7CBA730}" type="datetimeFigureOut">
               <a:rPr lang="zh-CN" altLang="en-US" smtClean="0"/>
-              <a:t>2018/10/24</a:t>
+              <a:t>2018/11/28</a:t>
             </a:fld>
             <a:endParaRPr lang="zh-CN" altLang="en-US"/>
           </a:p>
@@ -1914,7 +1914,7 @@
           <a:p>
             <a:fld id="{530820CF-B880-4189-942D-D702A7CBA730}" type="datetimeFigureOut">
               <a:rPr lang="zh-CN" altLang="en-US" smtClean="0"/>
-              <a:t>2018/10/24</a:t>
+              <a:t>2018/11/28</a:t>
             </a:fld>
             <a:endParaRPr lang="zh-CN" altLang="en-US"/>
           </a:p>
@@ -2089,7 +2089,7 @@
           <a:p>
             <a:fld id="{530820CF-B880-4189-942D-D702A7CBA730}" type="datetimeFigureOut">
               <a:rPr lang="zh-CN" altLang="en-US" smtClean="0"/>
-              <a:t>2018/10/24</a:t>
+              <a:t>2018/11/28</a:t>
             </a:fld>
             <a:endParaRPr lang="zh-CN" altLang="en-US"/>
           </a:p>
@@ -2254,7 +2254,7 @@
           <a:p>
             <a:fld id="{530820CF-B880-4189-942D-D702A7CBA730}" type="datetimeFigureOut">
               <a:rPr lang="zh-CN" altLang="en-US" smtClean="0"/>
-              <a:t>2018/10/24</a:t>
+              <a:t>2018/11/28</a:t>
             </a:fld>
             <a:endParaRPr lang="zh-CN" altLang="en-US"/>
           </a:p>
@@ -2495,7 +2495,7 @@
           <a:p>
             <a:fld id="{530820CF-B880-4189-942D-D702A7CBA730}" type="datetimeFigureOut">
               <a:rPr lang="zh-CN" altLang="en-US" smtClean="0"/>
-              <a:t>2018/10/24</a:t>
+              <a:t>2018/11/28</a:t>
             </a:fld>
             <a:endParaRPr lang="zh-CN" altLang="en-US"/>
           </a:p>
@@ -2778,7 +2778,7 @@
           <a:p>
             <a:fld id="{530820CF-B880-4189-942D-D702A7CBA730}" type="datetimeFigureOut">
               <a:rPr lang="zh-CN" altLang="en-US" smtClean="0"/>
-              <a:t>2018/10/24</a:t>
+              <a:t>2018/11/28</a:t>
             </a:fld>
             <a:endParaRPr lang="zh-CN" altLang="en-US"/>
           </a:p>
@@ -3195,7 +3195,7 @@
           <a:p>
             <a:fld id="{530820CF-B880-4189-942D-D702A7CBA730}" type="datetimeFigureOut">
               <a:rPr lang="zh-CN" altLang="en-US" smtClean="0"/>
-              <a:t>2018/10/24</a:t>
+              <a:t>2018/11/28</a:t>
             </a:fld>
             <a:endParaRPr lang="zh-CN" altLang="en-US"/>
           </a:p>
@@ -3308,7 +3308,7 @@
           <a:p>
             <a:fld id="{530820CF-B880-4189-942D-D702A7CBA730}" type="datetimeFigureOut">
               <a:rPr lang="zh-CN" altLang="en-US" smtClean="0"/>
-              <a:t>2018/10/24</a:t>
+              <a:t>2018/11/28</a:t>
             </a:fld>
             <a:endParaRPr lang="zh-CN" altLang="en-US"/>
           </a:p>
@@ -3398,7 +3398,7 @@
           <a:p>
             <a:fld id="{530820CF-B880-4189-942D-D702A7CBA730}" type="datetimeFigureOut">
               <a:rPr lang="zh-CN" altLang="en-US" smtClean="0"/>
-              <a:t>2018/10/24</a:t>
+              <a:t>2018/11/28</a:t>
             </a:fld>
             <a:endParaRPr lang="zh-CN" altLang="en-US"/>
           </a:p>
@@ -3670,7 +3670,7 @@
           <a:p>
             <a:fld id="{530820CF-B880-4189-942D-D702A7CBA730}" type="datetimeFigureOut">
               <a:rPr lang="zh-CN" altLang="en-US" smtClean="0"/>
-              <a:t>2018/10/24</a:t>
+              <a:t>2018/11/28</a:t>
             </a:fld>
             <a:endParaRPr lang="zh-CN" altLang="en-US"/>
           </a:p>
@@ -3918,7 +3918,7 @@
           <a:p>
             <a:fld id="{530820CF-B880-4189-942D-D702A7CBA730}" type="datetimeFigureOut">
               <a:rPr lang="zh-CN" altLang="en-US" smtClean="0"/>
-              <a:t>2018/10/24</a:t>
+              <a:t>2018/11/28</a:t>
             </a:fld>
             <a:endParaRPr lang="zh-CN" altLang="en-US"/>
           </a:p>
@@ -3978,9 +3978,18 @@
 <p:sldMaster xmlns:a="http://schemas.openxmlformats.org/drawingml/2006/main" xmlns:r="http://schemas.openxmlformats.org/officeDocument/2006/relationships" xmlns:p="http://schemas.openxmlformats.org/presentationml/2006/main">
   <p:cSld>
     <p:bg>
-      <p:bgRef idx="1001">
-        <a:schemeClr val="bg1"/>
-      </p:bgRef>
+      <p:bgPr>
+        <a:blipFill dpi="0" rotWithShape="1">
+          <a:blip r:embed="rId13">
+            <a:lum/>
+          </a:blip>
+          <a:srcRect/>
+          <a:stretch>
+            <a:fillRect/>
+          </a:stretch>
+        </a:blipFill>
+        <a:effectLst/>
+      </p:bgPr>
     </p:bg>
     <p:spTree>
       <p:nvGrpSpPr>
@@ -4126,7 +4135,7 @@
           <a:p>
             <a:fld id="{530820CF-B880-4189-942D-D702A7CBA730}" type="datetimeFigureOut">
               <a:rPr lang="zh-CN" altLang="en-US" smtClean="0"/>
-              <a:t>2018/10/24</a:t>
+              <a:t>2018/11/28</a:t>
             </a:fld>
             <a:endParaRPr lang="zh-CN" altLang="en-US"/>
           </a:p>
@@ -4632,8 +4641,8 @@
         </p:blipFill>
         <p:spPr>
           <a:xfrm>
-            <a:off x="0" y="137368"/>
-            <a:ext cx="9144000" cy="6604000"/>
+            <a:off x="432048" y="620688"/>
+            <a:ext cx="8532440" cy="6162318"/>
           </a:xfrm>
           <a:prstGeom prst="rect">
             <a:avLst/>
@@ -4687,34 +4696,41 @@
             <p:ph type="title"/>
           </p:nvPr>
         </p:nvSpPr>
-        <p:spPr/>
-        <p:txBody>
-          <a:bodyPr/>
+        <p:spPr>
+          <a:xfrm>
+            <a:off x="457200" y="413792"/>
+            <a:ext cx="8229600" cy="1143000"/>
+          </a:xfrm>
+        </p:spPr>
+        <p:txBody>
+          <a:bodyPr>
+            <a:normAutofit/>
+          </a:bodyPr>
           <a:lstStyle/>
           <a:p>
             <a:pPr algn="l"/>
             <a:r>
-              <a:rPr lang="zh-CN" altLang="en-US" dirty="0" smtClean="0">
+              <a:rPr lang="zh-CN" altLang="en-US" sz="3600" dirty="0" smtClean="0">
                 <a:latin typeface="微软雅黑 Light" pitchFamily="34" charset="-122"/>
                 <a:ea typeface="微软雅黑 Light" pitchFamily="34" charset="-122"/>
               </a:rPr>
               <a:t>以太坊交易（</a:t>
             </a:r>
             <a:r>
-              <a:rPr lang="en-US" altLang="zh-CN" dirty="0" smtClean="0">
+              <a:rPr lang="en-US" altLang="zh-CN" sz="3600" dirty="0" smtClean="0">
                 <a:latin typeface="微软雅黑 Light" pitchFamily="34" charset="-122"/>
                 <a:ea typeface="微软雅黑 Light" pitchFamily="34" charset="-122"/>
               </a:rPr>
               <a:t>Transaction</a:t>
             </a:r>
             <a:r>
-              <a:rPr lang="zh-CN" altLang="en-US" dirty="0" smtClean="0">
+              <a:rPr lang="zh-CN" altLang="en-US" sz="3600" dirty="0" smtClean="0">
                 <a:latin typeface="微软雅黑 Light" pitchFamily="34" charset="-122"/>
                 <a:ea typeface="微软雅黑 Light" pitchFamily="34" charset="-122"/>
               </a:rPr>
               <a:t>）</a:t>
             </a:r>
-            <a:endParaRPr lang="zh-CN" altLang="en-US" dirty="0">
+            <a:endParaRPr lang="zh-CN" altLang="en-US" sz="3600" dirty="0">
               <a:latin typeface="微软雅黑 Light" pitchFamily="34" charset="-122"/>
               <a:ea typeface="微软雅黑 Light" pitchFamily="34" charset="-122"/>
             </a:endParaRPr>
@@ -4963,34 +4979,41 @@
             <p:ph type="title"/>
           </p:nvPr>
         </p:nvSpPr>
-        <p:spPr/>
-        <p:txBody>
-          <a:bodyPr/>
+        <p:spPr>
+          <a:xfrm>
+            <a:off x="457200" y="413792"/>
+            <a:ext cx="8229600" cy="1143000"/>
+          </a:xfrm>
+        </p:spPr>
+        <p:txBody>
+          <a:bodyPr>
+            <a:normAutofit/>
+          </a:bodyPr>
           <a:lstStyle/>
           <a:p>
             <a:pPr algn="l"/>
             <a:r>
-              <a:rPr lang="zh-CN" altLang="en-US" dirty="0" smtClean="0">
+              <a:rPr lang="zh-CN" altLang="en-US" sz="3600" dirty="0" smtClean="0">
                 <a:latin typeface="微软雅黑 Light" pitchFamily="34" charset="-122"/>
                 <a:ea typeface="微软雅黑 Light" pitchFamily="34" charset="-122"/>
               </a:rPr>
               <a:t>  消息（</a:t>
             </a:r>
             <a:r>
-              <a:rPr lang="en-US" altLang="zh-CN" dirty="0" smtClean="0">
+              <a:rPr lang="en-US" altLang="zh-CN" sz="3600" dirty="0" smtClean="0">
                 <a:latin typeface="微软雅黑 Light" pitchFamily="34" charset="-122"/>
                 <a:ea typeface="微软雅黑 Light" pitchFamily="34" charset="-122"/>
               </a:rPr>
               <a:t>Message</a:t>
             </a:r>
             <a:r>
-              <a:rPr lang="zh-CN" altLang="en-US" dirty="0" smtClean="0">
+              <a:rPr lang="zh-CN" altLang="en-US" sz="3600" dirty="0" smtClean="0">
                 <a:latin typeface="微软雅黑 Light" pitchFamily="34" charset="-122"/>
                 <a:ea typeface="微软雅黑 Light" pitchFamily="34" charset="-122"/>
               </a:rPr>
               <a:t>）</a:t>
             </a:r>
-            <a:endParaRPr lang="zh-CN" altLang="en-US" dirty="0">
+            <a:endParaRPr lang="zh-CN" altLang="en-US" sz="3600" dirty="0">
               <a:latin typeface="微软雅黑 Light" pitchFamily="34" charset="-122"/>
               <a:ea typeface="微软雅黑 Light" pitchFamily="34" charset="-122"/>
             </a:endParaRPr>
@@ -5287,34 +5310,41 @@
             <p:ph type="title"/>
           </p:nvPr>
         </p:nvSpPr>
-        <p:spPr/>
-        <p:txBody>
-          <a:bodyPr/>
+        <p:spPr>
+          <a:xfrm>
+            <a:off x="457200" y="413792"/>
+            <a:ext cx="8229600" cy="1143000"/>
+          </a:xfrm>
+        </p:spPr>
+        <p:txBody>
+          <a:bodyPr>
+            <a:normAutofit/>
+          </a:bodyPr>
           <a:lstStyle/>
           <a:p>
             <a:pPr algn="l"/>
             <a:r>
-              <a:rPr lang="zh-CN" altLang="en-US" dirty="0" smtClean="0">
+              <a:rPr lang="zh-CN" altLang="en-US" sz="3600" dirty="0" smtClean="0">
                 <a:latin typeface="微软雅黑 Light" pitchFamily="34" charset="-122"/>
                 <a:ea typeface="微软雅黑 Light" pitchFamily="34" charset="-122"/>
               </a:rPr>
               <a:t>  合约（</a:t>
             </a:r>
             <a:r>
-              <a:rPr lang="en-US" altLang="zh-CN" dirty="0" smtClean="0">
+              <a:rPr lang="en-US" altLang="zh-CN" sz="3600" dirty="0" smtClean="0">
                 <a:latin typeface="微软雅黑 Light" pitchFamily="34" charset="-122"/>
                 <a:ea typeface="微软雅黑 Light" pitchFamily="34" charset="-122"/>
               </a:rPr>
               <a:t>Contract</a:t>
             </a:r>
             <a:r>
-              <a:rPr lang="zh-CN" altLang="en-US" dirty="0" smtClean="0">
+              <a:rPr lang="zh-CN" altLang="en-US" sz="3600" dirty="0" smtClean="0">
                 <a:latin typeface="微软雅黑 Light" pitchFamily="34" charset="-122"/>
                 <a:ea typeface="微软雅黑 Light" pitchFamily="34" charset="-122"/>
               </a:rPr>
               <a:t>）</a:t>
             </a:r>
-            <a:endParaRPr lang="zh-CN" altLang="en-US" dirty="0">
+            <a:endParaRPr lang="zh-CN" altLang="en-US" sz="3600" dirty="0">
               <a:latin typeface="微软雅黑 Light" pitchFamily="34" charset="-122"/>
               <a:ea typeface="微软雅黑 Light" pitchFamily="34" charset="-122"/>
             </a:endParaRPr>
@@ -5620,20 +5650,27 @@
             <p:ph type="title"/>
           </p:nvPr>
         </p:nvSpPr>
-        <p:spPr/>
-        <p:txBody>
-          <a:bodyPr/>
+        <p:spPr>
+          <a:xfrm>
+            <a:off x="457200" y="485800"/>
+            <a:ext cx="8229600" cy="1143000"/>
+          </a:xfrm>
+        </p:spPr>
+        <p:txBody>
+          <a:bodyPr>
+            <a:normAutofit/>
+          </a:bodyPr>
           <a:lstStyle/>
           <a:p>
             <a:pPr algn="l"/>
             <a:r>
-              <a:rPr lang="zh-CN" altLang="en-US" dirty="0" smtClean="0">
+              <a:rPr lang="zh-CN" altLang="en-US" sz="3600" dirty="0" smtClean="0">
                 <a:latin typeface="微软雅黑 Light" pitchFamily="34" charset="-122"/>
                 <a:ea typeface="微软雅黑 Light" pitchFamily="34" charset="-122"/>
               </a:rPr>
               <a:t>合约应用一</a:t>
             </a:r>
-            <a:endParaRPr lang="zh-CN" altLang="en-US" dirty="0">
+            <a:endParaRPr lang="zh-CN" altLang="en-US" sz="3600" dirty="0">
               <a:latin typeface="微软雅黑 Light" pitchFamily="34" charset="-122"/>
               <a:ea typeface="微软雅黑 Light" pitchFamily="34" charset="-122"/>
             </a:endParaRPr>
@@ -5795,20 +5832,27 @@
             <p:ph type="title"/>
           </p:nvPr>
         </p:nvSpPr>
-        <p:spPr/>
-        <p:txBody>
-          <a:bodyPr/>
+        <p:spPr>
+          <a:xfrm>
+            <a:off x="457200" y="485800"/>
+            <a:ext cx="8229600" cy="1143000"/>
+          </a:xfrm>
+        </p:spPr>
+        <p:txBody>
+          <a:bodyPr>
+            <a:normAutofit/>
+          </a:bodyPr>
           <a:lstStyle/>
           <a:p>
             <a:pPr algn="l"/>
             <a:r>
-              <a:rPr lang="zh-CN" altLang="en-US" dirty="0" smtClean="0">
+              <a:rPr lang="zh-CN" altLang="en-US" sz="3600" dirty="0" smtClean="0">
                 <a:latin typeface="微软雅黑 Light" pitchFamily="34" charset="-122"/>
                 <a:ea typeface="微软雅黑 Light" pitchFamily="34" charset="-122"/>
               </a:rPr>
               <a:t>合约应用二</a:t>
             </a:r>
-            <a:endParaRPr lang="zh-CN" altLang="en-US" dirty="0">
+            <a:endParaRPr lang="zh-CN" altLang="en-US" sz="3600" dirty="0">
               <a:latin typeface="微软雅黑 Light" pitchFamily="34" charset="-122"/>
               <a:ea typeface="微软雅黑 Light" pitchFamily="34" charset="-122"/>
             </a:endParaRPr>
@@ -6042,27 +6086,34 @@
             <p:ph type="title"/>
           </p:nvPr>
         </p:nvSpPr>
-        <p:spPr/>
-        <p:txBody>
-          <a:bodyPr/>
+        <p:spPr>
+          <a:xfrm>
+            <a:off x="457200" y="485800"/>
+            <a:ext cx="8229600" cy="1143000"/>
+          </a:xfrm>
+        </p:spPr>
+        <p:txBody>
+          <a:bodyPr>
+            <a:normAutofit/>
+          </a:bodyPr>
           <a:lstStyle/>
           <a:p>
             <a:pPr algn="l"/>
             <a:r>
-              <a:rPr lang="zh-CN" altLang="en-US" dirty="0">
+              <a:rPr lang="zh-CN" altLang="en-US" sz="3600" dirty="0">
                 <a:latin typeface="微软雅黑 Light" pitchFamily="34" charset="-122"/>
                 <a:ea typeface="微软雅黑 Light" pitchFamily="34" charset="-122"/>
               </a:rPr>
               <a:t>合约</a:t>
             </a:r>
             <a:r>
-              <a:rPr lang="zh-CN" altLang="en-US" dirty="0" smtClean="0">
+              <a:rPr lang="zh-CN" altLang="en-US" sz="3600" dirty="0" smtClean="0">
                 <a:latin typeface="微软雅黑 Light" pitchFamily="34" charset="-122"/>
                 <a:ea typeface="微软雅黑 Light" pitchFamily="34" charset="-122"/>
               </a:rPr>
               <a:t>应用三</a:t>
             </a:r>
-            <a:endParaRPr lang="zh-CN" altLang="en-US" dirty="0"/>
+            <a:endParaRPr lang="zh-CN" altLang="en-US" sz="3600" dirty="0"/>
           </a:p>
         </p:txBody>
       </p:sp>
@@ -6288,34 +6339,41 @@
             <p:ph type="title"/>
           </p:nvPr>
         </p:nvSpPr>
-        <p:spPr/>
-        <p:txBody>
-          <a:bodyPr/>
+        <p:spPr>
+          <a:xfrm>
+            <a:off x="457200" y="476672"/>
+            <a:ext cx="8229600" cy="1143000"/>
+          </a:xfrm>
+        </p:spPr>
+        <p:txBody>
+          <a:bodyPr>
+            <a:normAutofit/>
+          </a:bodyPr>
           <a:lstStyle/>
           <a:p>
             <a:pPr algn="l"/>
             <a:r>
-              <a:rPr lang="zh-CN" altLang="en-US" dirty="0" smtClean="0">
+              <a:rPr lang="zh-CN" altLang="en-US" sz="3600" dirty="0" smtClean="0">
                 <a:latin typeface="微软雅黑 Light" pitchFamily="34" charset="-122"/>
                 <a:ea typeface="微软雅黑 Light" pitchFamily="34" charset="-122"/>
               </a:rPr>
               <a:t>  从</a:t>
             </a:r>
             <a:r>
-              <a:rPr lang="en-US" altLang="zh-CN" dirty="0" smtClean="0">
+              <a:rPr lang="en-US" altLang="zh-CN" sz="3600" dirty="0" smtClean="0">
                 <a:latin typeface="微软雅黑 Light" pitchFamily="34" charset="-122"/>
                 <a:ea typeface="微软雅黑 Light" pitchFamily="34" charset="-122"/>
               </a:rPr>
               <a:t>UTXO</a:t>
             </a:r>
             <a:r>
-              <a:rPr lang="zh-CN" altLang="en-US" dirty="0" smtClean="0">
+              <a:rPr lang="zh-CN" altLang="en-US" sz="3600" dirty="0" smtClean="0">
                 <a:latin typeface="微软雅黑 Light" pitchFamily="34" charset="-122"/>
                 <a:ea typeface="微软雅黑 Light" pitchFamily="34" charset="-122"/>
               </a:rPr>
               <a:t>谈起</a:t>
             </a:r>
-            <a:endParaRPr lang="zh-CN" altLang="en-US" dirty="0">
+            <a:endParaRPr lang="zh-CN" altLang="en-US" sz="3600" dirty="0">
               <a:latin typeface="微软雅黑 Light" pitchFamily="34" charset="-122"/>
               <a:ea typeface="微软雅黑 Light" pitchFamily="34" charset="-122"/>
             </a:endParaRPr>
@@ -6668,20 +6726,27 @@
             <p:ph type="title"/>
           </p:nvPr>
         </p:nvSpPr>
-        <p:spPr/>
-        <p:txBody>
-          <a:bodyPr/>
+        <p:spPr>
+          <a:xfrm>
+            <a:off x="457200" y="485800"/>
+            <a:ext cx="8229600" cy="1143000"/>
+          </a:xfrm>
+        </p:spPr>
+        <p:txBody>
+          <a:bodyPr>
+            <a:normAutofit/>
+          </a:bodyPr>
           <a:lstStyle/>
           <a:p>
             <a:pPr algn="l"/>
             <a:r>
-              <a:rPr lang="zh-CN" altLang="en-US" dirty="0" smtClean="0">
+              <a:rPr lang="zh-CN" altLang="en-US" sz="3600" dirty="0" smtClean="0">
                 <a:latin typeface="微软雅黑 Light" pitchFamily="34" charset="-122"/>
                 <a:ea typeface="微软雅黑 Light" pitchFamily="34" charset="-122"/>
               </a:rPr>
               <a:t>  以太坊的做法</a:t>
             </a:r>
-            <a:endParaRPr lang="zh-CN" altLang="en-US" dirty="0">
+            <a:endParaRPr lang="zh-CN" altLang="en-US" sz="3600" dirty="0">
               <a:latin typeface="微软雅黑 Light" pitchFamily="34" charset="-122"/>
               <a:ea typeface="微软雅黑 Light" pitchFamily="34" charset="-122"/>
             </a:endParaRPr>
@@ -6926,20 +6991,27 @@
             <p:ph type="title"/>
           </p:nvPr>
         </p:nvSpPr>
-        <p:spPr/>
-        <p:txBody>
-          <a:bodyPr/>
+        <p:spPr>
+          <a:xfrm>
+            <a:off x="457200" y="485800"/>
+            <a:ext cx="8229600" cy="1143000"/>
+          </a:xfrm>
+        </p:spPr>
+        <p:txBody>
+          <a:bodyPr>
+            <a:normAutofit/>
+          </a:bodyPr>
           <a:lstStyle/>
           <a:p>
             <a:pPr algn="l"/>
             <a:r>
-              <a:rPr lang="zh-CN" altLang="en-US" dirty="0" smtClean="0">
+              <a:rPr lang="zh-CN" altLang="en-US" sz="3600" dirty="0" smtClean="0">
                 <a:latin typeface="微软雅黑 Light" pitchFamily="34" charset="-122"/>
                 <a:ea typeface="微软雅黑 Light" pitchFamily="34" charset="-122"/>
               </a:rPr>
               <a:t>  优缺点比较</a:t>
             </a:r>
-            <a:endParaRPr lang="zh-CN" altLang="en-US" dirty="0">
+            <a:endParaRPr lang="zh-CN" altLang="en-US" sz="3600" dirty="0">
               <a:latin typeface="微软雅黑 Light" pitchFamily="34" charset="-122"/>
               <a:ea typeface="微软雅黑 Light" pitchFamily="34" charset="-122"/>
             </a:endParaRPr>
@@ -7333,20 +7405,27 @@
             <p:ph type="title"/>
           </p:nvPr>
         </p:nvSpPr>
-        <p:spPr/>
-        <p:txBody>
-          <a:bodyPr/>
+        <p:spPr>
+          <a:xfrm>
+            <a:off x="457200" y="485800"/>
+            <a:ext cx="8229600" cy="1143000"/>
+          </a:xfrm>
+        </p:spPr>
+        <p:txBody>
+          <a:bodyPr>
+            <a:normAutofit/>
+          </a:bodyPr>
           <a:lstStyle/>
           <a:p>
             <a:pPr algn="l"/>
             <a:r>
-              <a:rPr lang="zh-CN" altLang="en-US" dirty="0" smtClean="0">
+              <a:rPr lang="zh-CN" altLang="en-US" sz="3600" dirty="0" smtClean="0">
                 <a:latin typeface="微软雅黑 Light" pitchFamily="34" charset="-122"/>
                 <a:ea typeface="微软雅黑 Light" pitchFamily="34" charset="-122"/>
               </a:rPr>
               <a:t>  优缺点比较（续）</a:t>
             </a:r>
-            <a:endParaRPr lang="zh-CN" altLang="en-US" dirty="0">
+            <a:endParaRPr lang="zh-CN" altLang="en-US" sz="3600" dirty="0">
               <a:latin typeface="微软雅黑 Light" pitchFamily="34" charset="-122"/>
               <a:ea typeface="微软雅黑 Light" pitchFamily="34" charset="-122"/>
             </a:endParaRPr>
@@ -7532,19 +7611,26 @@
             <p:ph type="title"/>
           </p:nvPr>
         </p:nvSpPr>
-        <p:spPr/>
-        <p:txBody>
-          <a:bodyPr/>
-          <a:lstStyle/>
-          <a:p>
-            <a:r>
-              <a:rPr lang="zh-CN" altLang="en-US" dirty="0" smtClean="0">
+        <p:spPr>
+          <a:xfrm>
+            <a:off x="457200" y="485800"/>
+            <a:ext cx="8229600" cy="1143000"/>
+          </a:xfrm>
+        </p:spPr>
+        <p:txBody>
+          <a:bodyPr>
+            <a:normAutofit/>
+          </a:bodyPr>
+          <a:lstStyle/>
+          <a:p>
+            <a:r>
+              <a:rPr lang="zh-CN" altLang="en-US" sz="3600" dirty="0" smtClean="0">
                 <a:latin typeface="微软雅黑 Light" pitchFamily="34" charset="-122"/>
                 <a:ea typeface="微软雅黑 Light" pitchFamily="34" charset="-122"/>
               </a:rPr>
               <a:t>比特币和以太坊的对比</a:t>
             </a:r>
-            <a:endParaRPr lang="zh-CN" altLang="en-US" dirty="0">
+            <a:endParaRPr lang="zh-CN" altLang="en-US" sz="3600" dirty="0">
               <a:latin typeface="微软雅黑 Light" pitchFamily="34" charset="-122"/>
               <a:ea typeface="微软雅黑 Light" pitchFamily="34" charset="-122"/>
             </a:endParaRPr>
@@ -7935,20 +8021,27 @@
             <p:ph type="title"/>
           </p:nvPr>
         </p:nvSpPr>
-        <p:spPr/>
-        <p:txBody>
-          <a:bodyPr/>
+        <p:spPr>
+          <a:xfrm>
+            <a:off x="457200" y="485800"/>
+            <a:ext cx="8229600" cy="1143000"/>
+          </a:xfrm>
+        </p:spPr>
+        <p:txBody>
+          <a:bodyPr>
+            <a:normAutofit/>
+          </a:bodyPr>
           <a:lstStyle/>
           <a:p>
             <a:pPr algn="l"/>
             <a:r>
-              <a:rPr lang="zh-CN" altLang="en-US" dirty="0" smtClean="0">
+              <a:rPr lang="zh-CN" altLang="en-US" sz="3600" dirty="0" smtClean="0">
                 <a:latin typeface="微软雅黑 Light" pitchFamily="34" charset="-122"/>
                 <a:ea typeface="微软雅黑 Light" pitchFamily="34" charset="-122"/>
               </a:rPr>
               <a:t>  以太坊账户类型</a:t>
             </a:r>
-            <a:endParaRPr lang="zh-CN" altLang="en-US" dirty="0">
+            <a:endParaRPr lang="zh-CN" altLang="en-US" sz="3600" dirty="0">
               <a:latin typeface="微软雅黑 Light" pitchFamily="34" charset="-122"/>
               <a:ea typeface="微软雅黑 Light" pitchFamily="34" charset="-122"/>
             </a:endParaRPr>
@@ -8063,17 +8156,24 @@
             <p:ph type="title"/>
           </p:nvPr>
         </p:nvSpPr>
-        <p:spPr/>
-        <p:txBody>
-          <a:bodyPr/>
+        <p:spPr>
+          <a:xfrm>
+            <a:off x="457200" y="485800"/>
+            <a:ext cx="8229600" cy="1143000"/>
+          </a:xfrm>
+        </p:spPr>
+        <p:txBody>
+          <a:bodyPr>
+            <a:normAutofit/>
+          </a:bodyPr>
           <a:lstStyle/>
           <a:p>
             <a:pPr algn="l"/>
             <a:r>
-              <a:rPr lang="en-US" altLang="zh-CN" dirty="0" smtClean="0"/>
+              <a:rPr lang="en-US" altLang="zh-CN" sz="3600" dirty="0" smtClean="0"/>
               <a:t>EOA</a:t>
             </a:r>
-            <a:endParaRPr lang="zh-CN" altLang="en-US" dirty="0"/>
+            <a:endParaRPr lang="zh-CN" altLang="en-US" sz="3600" dirty="0"/>
           </a:p>
         </p:txBody>
       </p:sp>
@@ -8245,20 +8345,27 @@
             <p:ph type="title"/>
           </p:nvPr>
         </p:nvSpPr>
-        <p:spPr/>
-        <p:txBody>
-          <a:bodyPr/>
+        <p:spPr>
+          <a:xfrm>
+            <a:off x="457200" y="413792"/>
+            <a:ext cx="8229600" cy="1143000"/>
+          </a:xfrm>
+        </p:spPr>
+        <p:txBody>
+          <a:bodyPr>
+            <a:normAutofit/>
+          </a:bodyPr>
           <a:lstStyle/>
           <a:p>
             <a:pPr algn="l"/>
             <a:r>
-              <a:rPr lang="zh-CN" altLang="en-US" dirty="0" smtClean="0">
+              <a:rPr lang="zh-CN" altLang="en-US" sz="3600" dirty="0" smtClean="0">
                 <a:latin typeface="微软雅黑 Light" pitchFamily="34" charset="-122"/>
                 <a:ea typeface="微软雅黑 Light" pitchFamily="34" charset="-122"/>
               </a:rPr>
               <a:t>合约账户</a:t>
             </a:r>
-            <a:endParaRPr lang="zh-CN" altLang="en-US" dirty="0">
+            <a:endParaRPr lang="zh-CN" altLang="en-US" sz="3600" dirty="0">
               <a:latin typeface="微软雅黑 Light" pitchFamily="34" charset="-122"/>
               <a:ea typeface="微软雅黑 Light" pitchFamily="34" charset="-122"/>
             </a:endParaRPr>
